--- a/Lecture/student_before_class_ppt/국방사이버보안_수업전_1강.pptx
+++ b/Lecture/student_before_class_ppt/국방사이버보안_수업전_1강.pptx
@@ -278,7 +278,7 @@
           <a:p>
             <a:fld id="{57AC85D0-FE93-4BE9-8D41-DEEFB7E4D4BB}" type="datetimeFigureOut">
               <a:rPr lang="ko-KR" altLang="en-US" smtClean="0"/>
-              <a:t>2021-03-10</a:t>
+              <a:t>2021-08-30</a:t>
             </a:fld>
             <a:endParaRPr lang="ko-KR" altLang="en-US"/>
           </a:p>
@@ -476,7 +476,7 @@
           <a:p>
             <a:fld id="{57AC85D0-FE93-4BE9-8D41-DEEFB7E4D4BB}" type="datetimeFigureOut">
               <a:rPr lang="ko-KR" altLang="en-US" smtClean="0"/>
-              <a:t>2021-03-10</a:t>
+              <a:t>2021-08-30</a:t>
             </a:fld>
             <a:endParaRPr lang="ko-KR" altLang="en-US"/>
           </a:p>
@@ -684,7 +684,7 @@
           <a:p>
             <a:fld id="{57AC85D0-FE93-4BE9-8D41-DEEFB7E4D4BB}" type="datetimeFigureOut">
               <a:rPr lang="ko-KR" altLang="en-US" smtClean="0"/>
-              <a:t>2021-03-10</a:t>
+              <a:t>2021-08-30</a:t>
             </a:fld>
             <a:endParaRPr lang="ko-KR" altLang="en-US"/>
           </a:p>
@@ -882,7 +882,7 @@
           <a:p>
             <a:fld id="{57AC85D0-FE93-4BE9-8D41-DEEFB7E4D4BB}" type="datetimeFigureOut">
               <a:rPr lang="ko-KR" altLang="en-US" smtClean="0"/>
-              <a:t>2021-03-10</a:t>
+              <a:t>2021-08-30</a:t>
             </a:fld>
             <a:endParaRPr lang="ko-KR" altLang="en-US"/>
           </a:p>
@@ -1157,7 +1157,7 @@
           <a:p>
             <a:fld id="{57AC85D0-FE93-4BE9-8D41-DEEFB7E4D4BB}" type="datetimeFigureOut">
               <a:rPr lang="ko-KR" altLang="en-US" smtClean="0"/>
-              <a:t>2021-03-10</a:t>
+              <a:t>2021-08-30</a:t>
             </a:fld>
             <a:endParaRPr lang="ko-KR" altLang="en-US"/>
           </a:p>
@@ -1422,7 +1422,7 @@
           <a:p>
             <a:fld id="{57AC85D0-FE93-4BE9-8D41-DEEFB7E4D4BB}" type="datetimeFigureOut">
               <a:rPr lang="ko-KR" altLang="en-US" smtClean="0"/>
-              <a:t>2021-03-10</a:t>
+              <a:t>2021-08-30</a:t>
             </a:fld>
             <a:endParaRPr lang="ko-KR" altLang="en-US"/>
           </a:p>
@@ -1834,7 +1834,7 @@
           <a:p>
             <a:fld id="{57AC85D0-FE93-4BE9-8D41-DEEFB7E4D4BB}" type="datetimeFigureOut">
               <a:rPr lang="ko-KR" altLang="en-US" smtClean="0"/>
-              <a:t>2021-03-10</a:t>
+              <a:t>2021-08-30</a:t>
             </a:fld>
             <a:endParaRPr lang="ko-KR" altLang="en-US"/>
           </a:p>
@@ -1975,7 +1975,7 @@
           <a:p>
             <a:fld id="{57AC85D0-FE93-4BE9-8D41-DEEFB7E4D4BB}" type="datetimeFigureOut">
               <a:rPr lang="ko-KR" altLang="en-US" smtClean="0"/>
-              <a:t>2021-03-10</a:t>
+              <a:t>2021-08-30</a:t>
             </a:fld>
             <a:endParaRPr lang="ko-KR" altLang="en-US"/>
           </a:p>
@@ -2088,7 +2088,7 @@
           <a:p>
             <a:fld id="{57AC85D0-FE93-4BE9-8D41-DEEFB7E4D4BB}" type="datetimeFigureOut">
               <a:rPr lang="ko-KR" altLang="en-US" smtClean="0"/>
-              <a:t>2021-03-10</a:t>
+              <a:t>2021-08-30</a:t>
             </a:fld>
             <a:endParaRPr lang="ko-KR" altLang="en-US"/>
           </a:p>
@@ -2399,7 +2399,7 @@
           <a:p>
             <a:fld id="{57AC85D0-FE93-4BE9-8D41-DEEFB7E4D4BB}" type="datetimeFigureOut">
               <a:rPr lang="ko-KR" altLang="en-US" smtClean="0"/>
-              <a:t>2021-03-10</a:t>
+              <a:t>2021-08-30</a:t>
             </a:fld>
             <a:endParaRPr lang="ko-KR" altLang="en-US"/>
           </a:p>
@@ -2687,7 +2687,7 @@
           <a:p>
             <a:fld id="{57AC85D0-FE93-4BE9-8D41-DEEFB7E4D4BB}" type="datetimeFigureOut">
               <a:rPr lang="ko-KR" altLang="en-US" smtClean="0"/>
-              <a:t>2021-03-10</a:t>
+              <a:t>2021-08-30</a:t>
             </a:fld>
             <a:endParaRPr lang="ko-KR" altLang="en-US"/>
           </a:p>
@@ -2928,7 +2928,7 @@
           <a:p>
             <a:fld id="{57AC85D0-FE93-4BE9-8D41-DEEFB7E4D4BB}" type="datetimeFigureOut">
               <a:rPr lang="ko-KR" altLang="en-US" smtClean="0"/>
-              <a:t>2021-03-10</a:t>
+              <a:t>2021-08-30</a:t>
             </a:fld>
             <a:endParaRPr lang="ko-KR" altLang="en-US"/>
           </a:p>
